--- a/项目介绍/SE2020-G10-项目介绍1.0.2.pptx
+++ b/项目介绍/SE2020-G10-项目介绍1.0.2.pptx
@@ -14,8 +14,8 @@
     <p:sldId id="298" r:id="rId5"/>
     <p:sldId id="299" r:id="rId6"/>
     <p:sldId id="302" r:id="rId7"/>
-    <p:sldId id="297" r:id="rId8"/>
-    <p:sldId id="300" r:id="rId9"/>
+    <p:sldId id="300" r:id="rId8"/>
+    <p:sldId id="297" r:id="rId9"/>
     <p:sldId id="296" r:id="rId10"/>
     <p:sldId id="290" r:id="rId11"/>
     <p:sldId id="301" r:id="rId12"/>
@@ -254,7 +254,7 @@
           <a:p>
             <a:fld id="{141743F9-9B08-422F-9ECE-BE7148BC7DDC}" type="datetimeFigureOut">
               <a:rPr lang="zh-CN" altLang="en-US" smtClean="0"/>
-              <a:t>2020/10/14</a:t>
+              <a:t>2020/10/17</a:t>
             </a:fld>
             <a:endParaRPr lang="zh-CN" altLang="en-US"/>
           </a:p>
@@ -784,7 +784,7 @@
     </p:spTree>
     <p:extLst>
       <p:ext uri="{BB962C8B-B14F-4D97-AF65-F5344CB8AC3E}">
-        <p14:creationId xmlns:p14="http://schemas.microsoft.com/office/powerpoint/2010/main" val="847391597"/>
+        <p14:creationId xmlns:p14="http://schemas.microsoft.com/office/powerpoint/2010/main" val="1487071237"/>
       </p:ext>
     </p:extLst>
   </p:cSld>
@@ -847,7 +847,7 @@
     </p:spTree>
     <p:extLst>
       <p:ext uri="{BB962C8B-B14F-4D97-AF65-F5344CB8AC3E}">
-        <p14:creationId xmlns:p14="http://schemas.microsoft.com/office/powerpoint/2010/main" val="1487071237"/>
+        <p14:creationId xmlns:p14="http://schemas.microsoft.com/office/powerpoint/2010/main" val="847391597"/>
       </p:ext>
     </p:extLst>
   </p:cSld>
@@ -1486,7 +1486,7 @@
           <a:p>
             <a:fld id="{760FBDFE-C587-4B4C-A407-44438C67B59E}" type="datetimeFigureOut">
               <a:rPr lang="zh-CN" altLang="en-US" smtClean="0"/>
-              <a:t>2020/10/14</a:t>
+              <a:t>2020/10/17</a:t>
             </a:fld>
             <a:endParaRPr lang="zh-CN" altLang="en-US"/>
           </a:p>
@@ -1661,7 +1661,7 @@
           <a:p>
             <a:fld id="{760FBDFE-C587-4B4C-A407-44438C67B59E}" type="datetimeFigureOut">
               <a:rPr lang="zh-CN" altLang="en-US" smtClean="0"/>
-              <a:t>2020/10/14</a:t>
+              <a:t>2020/10/17</a:t>
             </a:fld>
             <a:endParaRPr lang="zh-CN" altLang="en-US"/>
           </a:p>
@@ -2364,7 +2364,7 @@
           <a:p>
             <a:fld id="{760FBDFE-C587-4B4C-A407-44438C67B59E}" type="datetimeFigureOut">
               <a:rPr lang="zh-CN" altLang="en-US" smtClean="0"/>
-              <a:t>2020/10/14</a:t>
+              <a:t>2020/10/17</a:t>
             </a:fld>
             <a:endParaRPr lang="zh-CN" altLang="en-US"/>
           </a:p>
@@ -3190,7 +3190,7 @@
           <a:p>
             <a:fld id="{760FBDFE-C587-4B4C-A407-44438C67B59E}" type="datetimeFigureOut">
               <a:rPr lang="zh-CN" altLang="en-US" smtClean="0"/>
-              <a:t>2020/10/14</a:t>
+              <a:t>2020/10/17</a:t>
             </a:fld>
             <a:endParaRPr lang="zh-CN" altLang="en-US"/>
           </a:p>
@@ -3653,7 +3653,7 @@
           <a:p>
             <a:fld id="{760FBDFE-C587-4B4C-A407-44438C67B59E}" type="datetimeFigureOut">
               <a:rPr lang="zh-CN" altLang="en-US" smtClean="0"/>
-              <a:t>2020/10/14</a:t>
+              <a:t>2020/10/17</a:t>
             </a:fld>
             <a:endParaRPr lang="zh-CN" altLang="en-US"/>
           </a:p>
@@ -3802,7 +3802,7 @@
           <a:p>
             <a:fld id="{760FBDFE-C587-4B4C-A407-44438C67B59E}" type="datetimeFigureOut">
               <a:rPr lang="zh-CN" altLang="en-US" smtClean="0"/>
-              <a:t>2020/10/14</a:t>
+              <a:t>2020/10/17</a:t>
             </a:fld>
             <a:endParaRPr lang="zh-CN" altLang="en-US"/>
           </a:p>
@@ -4284,7 +4284,7 @@
           <a:p>
             <a:fld id="{9EFD9D74-47D9-4702-A33C-335B63B48DBF}" type="datetimeFigureOut">
               <a:rPr lang="zh-CN" altLang="en-US" smtClean="0"/>
-              <a:t>2020/10/14</a:t>
+              <a:t>2020/10/17</a:t>
             </a:fld>
             <a:endParaRPr lang="zh-CN" altLang="en-US" dirty="0"/>
           </a:p>
@@ -4666,7 +4666,7 @@
           <a:p>
             <a:fld id="{760FBDFE-C587-4B4C-A407-44438C67B59E}" type="datetimeFigureOut">
               <a:rPr lang="zh-CN" altLang="en-US" smtClean="0"/>
-              <a:t>2020/10/14</a:t>
+              <a:t>2020/10/17</a:t>
             </a:fld>
             <a:endParaRPr lang="zh-CN" altLang="en-US"/>
           </a:p>
@@ -4886,7 +4886,7 @@
           <a:p>
             <a:fld id="{760FBDFE-C587-4B4C-A407-44438C67B59E}" type="datetimeFigureOut">
               <a:rPr lang="zh-CN" altLang="en-US" smtClean="0"/>
-              <a:t>2020/10/14</a:t>
+              <a:t>2020/10/17</a:t>
             </a:fld>
             <a:endParaRPr lang="zh-CN" altLang="en-US"/>
           </a:p>
@@ -5148,7 +5148,7 @@
           <a:p>
             <a:fld id="{760FBDFE-C587-4B4C-A407-44438C67B59E}" type="datetimeFigureOut">
               <a:rPr lang="zh-CN" altLang="en-US" smtClean="0"/>
-              <a:t>2020/10/14</a:t>
+              <a:t>2020/10/17</a:t>
             </a:fld>
             <a:endParaRPr lang="zh-CN" altLang="en-US"/>
           </a:p>
@@ -5585,7 +5585,7 @@
           <a:p>
             <a:fld id="{760FBDFE-C587-4B4C-A407-44438C67B59E}" type="datetimeFigureOut">
               <a:rPr lang="zh-CN" altLang="en-US" smtClean="0"/>
-              <a:t>2020/10/14</a:t>
+              <a:t>2020/10/17</a:t>
             </a:fld>
             <a:endParaRPr lang="zh-CN" altLang="en-US"/>
           </a:p>
@@ -5996,7 +5996,7 @@
           <a:p>
             <a:fld id="{760FBDFE-C587-4B4C-A407-44438C67B59E}" type="datetimeFigureOut">
               <a:rPr lang="zh-CN" altLang="en-US" smtClean="0"/>
-              <a:t>2020/10/14</a:t>
+              <a:t>2020/10/17</a:t>
             </a:fld>
             <a:endParaRPr lang="zh-CN" altLang="en-US"/>
           </a:p>
@@ -6274,7 +6274,7 @@
           <a:p>
             <a:fld id="{760FBDFE-C587-4B4C-A407-44438C67B59E}" type="datetimeFigureOut">
               <a:rPr lang="zh-CN" altLang="en-US" smtClean="0"/>
-              <a:t>2020/10/14</a:t>
+              <a:t>2020/10/17</a:t>
             </a:fld>
             <a:endParaRPr lang="zh-CN" altLang="en-US"/>
           </a:p>
@@ -6792,7 +6792,7 @@
           <a:p>
             <a:fld id="{760FBDFE-C587-4B4C-A407-44438C67B59E}" type="datetimeFigureOut">
               <a:rPr lang="zh-CN" altLang="en-US" smtClean="0"/>
-              <a:t>2020/10/14</a:t>
+              <a:t>2020/10/17</a:t>
             </a:fld>
             <a:endParaRPr lang="zh-CN" altLang="en-US"/>
           </a:p>
@@ -7246,7 +7246,7 @@
           <a:p>
             <a:fld id="{760FBDFE-C587-4B4C-A407-44438C67B59E}" type="datetimeFigureOut">
               <a:rPr lang="zh-CN" altLang="en-US" smtClean="0"/>
-              <a:t>2020/10/14</a:t>
+              <a:t>2020/10/17</a:t>
             </a:fld>
             <a:endParaRPr lang="zh-CN" altLang="en-US"/>
           </a:p>
@@ -7700,7 +7700,7 @@
           <a:p>
             <a:fld id="{760FBDFE-C587-4B4C-A407-44438C67B59E}" type="datetimeFigureOut">
               <a:rPr lang="zh-CN" altLang="en-US" smtClean="0"/>
-              <a:t>2020/10/14</a:t>
+              <a:t>2020/10/17</a:t>
             </a:fld>
             <a:endParaRPr lang="zh-CN" altLang="en-US"/>
           </a:p>
@@ -8304,7 +8304,7 @@
           <a:p>
             <a:fld id="{760FBDFE-C587-4B4C-A407-44438C67B59E}" type="datetimeFigureOut">
               <a:rPr lang="zh-CN" altLang="en-US" smtClean="0"/>
-              <a:t>2020/10/14</a:t>
+              <a:t>2020/10/17</a:t>
             </a:fld>
             <a:endParaRPr lang="zh-CN" altLang="en-US"/>
           </a:p>
@@ -9477,7 +9477,7 @@
           <a:p>
             <a:fld id="{760FBDFE-C587-4B4C-A407-44438C67B59E}" type="datetimeFigureOut">
               <a:rPr lang="zh-CN" altLang="en-US" smtClean="0"/>
-              <a:t>2020/10/14</a:t>
+              <a:t>2020/10/17</a:t>
             </a:fld>
             <a:endParaRPr lang="zh-CN" altLang="en-US"/>
           </a:p>
@@ -10201,7 +10201,7 @@
           <a:p>
             <a:fld id="{760FBDFE-C587-4B4C-A407-44438C67B59E}" type="datetimeFigureOut">
               <a:rPr lang="zh-CN" altLang="en-US" smtClean="0"/>
-              <a:t>2020/10/14</a:t>
+              <a:t>2020/10/17</a:t>
             </a:fld>
             <a:endParaRPr lang="zh-CN" altLang="en-US"/>
           </a:p>
@@ -11014,22 +11014,46 @@
           </a:bodyPr>
           <a:lstStyle/>
           <a:p>
-            <a:pPr algn="l"/>
-            <a:r>
-              <a:rPr lang="zh-CN" altLang="en-US" sz="2400" spc="150">
+            <a:r>
+              <a:rPr lang="zh-CN" altLang="en-US" sz="2400" spc="150" dirty="0" smtClean="0">
                 <a:solidFill>
                   <a:schemeClr val="tx1">
                     <a:lumMod val="65000"/>
                     <a:lumOff val="35000"/>
                   </a:schemeClr>
                 </a:solidFill>
-                <a:uFillTx/>
                 <a:latin typeface="Arial" panose="020B0604020202020204" pitchFamily="34" charset="0"/>
                 <a:ea typeface="微软雅黑" panose="020B0503020204020204" charset="-122"/>
                 <a:sym typeface="Arial" panose="020B0604020202020204" pitchFamily="34" charset="0"/>
               </a:rPr>
-              <a:t>功能实现</a:t>
-            </a:r>
+              <a:t>可行性分析</a:t>
+            </a:r>
+            <a:endParaRPr lang="zh-CN" altLang="en-US" sz="2400" spc="150" dirty="0">
+              <a:solidFill>
+                <a:schemeClr val="tx1">
+                  <a:lumMod val="65000"/>
+                  <a:lumOff val="35000"/>
+                </a:schemeClr>
+              </a:solidFill>
+              <a:latin typeface="Arial" panose="020B0604020202020204" pitchFamily="34" charset="0"/>
+              <a:ea typeface="微软雅黑" panose="020B0503020204020204" charset="-122"/>
+              <a:sym typeface="Arial" panose="020B0604020202020204" pitchFamily="34" charset="0"/>
+            </a:endParaRPr>
+          </a:p>
+          <a:p>
+            <a:pPr algn="l"/>
+            <a:endParaRPr lang="zh-CN" altLang="en-US" sz="2400" spc="150" dirty="0">
+              <a:solidFill>
+                <a:schemeClr val="tx1">
+                  <a:lumMod val="65000"/>
+                  <a:lumOff val="35000"/>
+                </a:schemeClr>
+              </a:solidFill>
+              <a:uFillTx/>
+              <a:latin typeface="Arial" panose="020B0604020202020204" pitchFamily="34" charset="0"/>
+              <a:ea typeface="微软雅黑" panose="020B0503020204020204" charset="-122"/>
+              <a:sym typeface="Arial" panose="020B0604020202020204" pitchFamily="34" charset="0"/>
+            </a:endParaRPr>
           </a:p>
         </p:txBody>
       </p:sp>
@@ -11688,7 +11712,7 @@
           <a:p>
             <a:pPr algn="l"/>
             <a:r>
-              <a:rPr lang="zh-CN" altLang="en-US" sz="2400" spc="150">
+              <a:rPr lang="zh-CN" altLang="en-US" sz="2400" spc="150" dirty="0" smtClean="0">
                 <a:solidFill>
                   <a:schemeClr val="tx1">
                     <a:lumMod val="65000"/>
@@ -11700,8 +11724,20 @@
                 <a:ea typeface="微软雅黑" panose="020B0503020204020204" charset="-122"/>
                 <a:sym typeface="Arial" panose="020B0604020202020204" pitchFamily="34" charset="0"/>
               </a:rPr>
-              <a:t>可行性分析</a:t>
-            </a:r>
+              <a:t>技术与框架</a:t>
+            </a:r>
+            <a:endParaRPr lang="zh-CN" altLang="en-US" sz="2400" spc="150" dirty="0">
+              <a:solidFill>
+                <a:schemeClr val="tx1">
+                  <a:lumMod val="65000"/>
+                  <a:lumOff val="35000"/>
+                </a:schemeClr>
+              </a:solidFill>
+              <a:uFillTx/>
+              <a:latin typeface="Arial" panose="020B0604020202020204" pitchFamily="34" charset="0"/>
+              <a:ea typeface="微软雅黑" panose="020B0503020204020204" charset="-122"/>
+              <a:sym typeface="Arial" panose="020B0604020202020204" pitchFamily="34" charset="0"/>
+            </a:endParaRPr>
           </a:p>
         </p:txBody>
       </p:sp>
@@ -11852,7 +11888,7 @@
         <p:spPr>
           <a:xfrm>
             <a:off x="935990" y="946150"/>
-            <a:ext cx="10326370" cy="2584450"/>
+            <a:ext cx="10326370" cy="2123658"/>
           </a:xfrm>
           <a:prstGeom prst="rect">
             <a:avLst/>
@@ -11871,11 +11907,11 @@
               </a:lnSpc>
             </a:pPr>
             <a:r>
-              <a:rPr lang="en-US" altLang="zh-CN" sz="2800"/>
+              <a:rPr lang="en-US" altLang="zh-CN" sz="2800" dirty="0"/>
               <a:t>1</a:t>
             </a:r>
             <a:r>
-              <a:rPr lang="zh-CN" altLang="en-US" sz="2800"/>
+              <a:rPr lang="zh-CN" altLang="en-US" sz="2800" dirty="0"/>
               <a:t>、项目背景</a:t>
             </a:r>
           </a:p>
@@ -11886,11 +11922,11 @@
               </a:lnSpc>
             </a:pPr>
             <a:r>
-              <a:rPr lang="zh-CN" altLang="en-US"/>
+              <a:rPr lang="zh-CN" altLang="en-US" dirty="0"/>
               <a:t>       </a:t>
             </a:r>
             <a:r>
-              <a:rPr lang="zh-CN" altLang="en-US" sz="2000"/>
+              <a:rPr lang="zh-CN" altLang="en-US" sz="2000" dirty="0"/>
               <a:t>随着人们物质生活水平的提高，对精神文明建设的需求愈发热烈。</a:t>
             </a:r>
           </a:p>
@@ -11901,18 +11937,30 @@
               </a:lnSpc>
             </a:pPr>
             <a:r>
-              <a:rPr lang="en-US" altLang="zh-CN" sz="2000"/>
+              <a:rPr lang="en-US" altLang="zh-CN" sz="2000" dirty="0"/>
               <a:t>       </a:t>
             </a:r>
             <a:r>
-              <a:rPr lang="zh-CN" altLang="en-US" sz="2000"/>
+              <a:rPr lang="zh-CN" altLang="en-US" sz="2000" dirty="0"/>
               <a:t>鉴于如今大多数书籍网站鱼龙混杂，有较多网络小说、社科类书籍、工具书充斥在书籍市场，对于爱好文学的读者</a:t>
             </a:r>
             <a:r>
-              <a:rPr lang="zh-CN" altLang="en-US" sz="2000">
+              <a:rPr lang="zh-CN" altLang="en-US" sz="2000" dirty="0">
                 <a:sym typeface="+mn-ea"/>
               </a:rPr>
-              <a:t>，本网站聚焦于纯文学书籍，并提供一个此类书籍交流、选购的平台。</a:t>
+              <a:t>，本网站聚焦于纯文学书籍，并提供一个此类书籍</a:t>
+            </a:r>
+            <a:r>
+              <a:rPr lang="zh-CN" altLang="en-US" sz="2000" dirty="0" smtClean="0">
+                <a:sym typeface="+mn-ea"/>
+              </a:rPr>
+              <a:t>交流平台</a:t>
+            </a:r>
+            <a:r>
+              <a:rPr lang="zh-CN" altLang="en-US" sz="2000" dirty="0">
+                <a:sym typeface="+mn-ea"/>
+              </a:rPr>
+              <a:t>。</a:t>
             </a:r>
           </a:p>
         </p:txBody>
@@ -12149,11 +12197,11 @@
               </a:lnSpc>
             </a:pPr>
             <a:r>
-              <a:rPr lang="en-US" altLang="zh-CN" sz="2800"/>
+              <a:rPr lang="en-US" altLang="zh-CN" sz="2800" dirty="0"/>
               <a:t>2</a:t>
             </a:r>
             <a:r>
-              <a:rPr lang="zh-CN" altLang="en-US" sz="2800"/>
+              <a:rPr lang="zh-CN" altLang="en-US" sz="2800" dirty="0"/>
               <a:t>、项目目标</a:t>
             </a:r>
           </a:p>
@@ -12164,14 +12212,18 @@
               </a:lnSpc>
             </a:pPr>
             <a:r>
-              <a:rPr lang="zh-CN" altLang="en-US"/>
+              <a:rPr lang="zh-CN" altLang="en-US" dirty="0"/>
               <a:t>       </a:t>
             </a:r>
             <a:r>
-              <a:rPr lang="zh-CN" altLang="en-US" sz="2000"/>
-              <a:t>网站能够向用户推荐文学领域热门书籍与新书，用户可以搜索书籍，查看其简介，浏览其他读者的书评，参与讨论，发表看法。并可下单购买书籍。</a:t>
-            </a:r>
-            <a:endParaRPr lang="zh-CN" altLang="en-US" sz="2000">
+              <a:rPr lang="zh-CN" altLang="en-US" sz="2000" dirty="0"/>
+              <a:t>网站能够向用户推荐文学领域热门书籍与新书，用户可以搜索书籍，查看其简介，浏览其他读者的书评，参与讨论，发表看法</a:t>
+            </a:r>
+            <a:r>
+              <a:rPr lang="zh-CN" altLang="en-US" sz="2000" dirty="0" smtClean="0"/>
+              <a:t>。</a:t>
+            </a:r>
+            <a:endParaRPr lang="zh-CN" altLang="en-US" sz="2000" dirty="0">
               <a:sym typeface="+mn-ea"/>
             </a:endParaRPr>
           </a:p>
@@ -13671,9 +13723,12 @@
       </p:grpSpPr>
       <p:sp>
         <p:nvSpPr>
-          <p:cNvPr id="2" name="椭圆 1"/>
-          <p:cNvSpPr/>
+          <p:cNvPr id="5" name="标题 4"/>
+          <p:cNvSpPr>
+            <a:spLocks noGrp="1"/>
+          </p:cNvSpPr>
           <p:nvPr>
+            <p:ph type="ctrTitle" idx="14"/>
             <p:custDataLst>
               <p:tags r:id="rId2"/>
             </p:custDataLst>
@@ -13681,7 +13736,259 @@
         </p:nvSpPr>
         <p:spPr>
           <a:xfrm>
-            <a:off x="318453" y="187642"/>
+            <a:off x="1452880" y="382905"/>
+            <a:ext cx="2973841" cy="835660"/>
+          </a:xfrm>
+        </p:spPr>
+        <p:txBody>
+          <a:bodyPr>
+            <a:normAutofit fontScale="90000"/>
+          </a:bodyPr>
+          <a:lstStyle/>
+          <a:p>
+            <a:r>
+              <a:rPr lang="zh-CN" altLang="en-US" spc="150" dirty="0" smtClean="0">
+                <a:solidFill>
+                  <a:schemeClr val="tx1">
+                    <a:lumMod val="65000"/>
+                    <a:lumOff val="35000"/>
+                  </a:schemeClr>
+                </a:solidFill>
+                <a:ea typeface="微软雅黑" panose="020B0503020204020204" charset="-122"/>
+                <a:sym typeface="Arial" panose="020B0604020202020204" pitchFamily="34" charset="0"/>
+              </a:rPr>
+              <a:t>技术与框架</a:t>
+            </a:r>
+            <a:endParaRPr lang="zh-CN" altLang="en-US" dirty="0"/>
+          </a:p>
+        </p:txBody>
+      </p:sp>
+      <p:sp>
+        <p:nvSpPr>
+          <p:cNvPr id="3" name="文本框 2"/>
+          <p:cNvSpPr txBox="1"/>
+          <p:nvPr/>
+        </p:nvSpPr>
+        <p:spPr>
+          <a:xfrm>
+            <a:off x="1202690" y="1218565"/>
+            <a:ext cx="6217285" cy="5262979"/>
+          </a:xfrm>
+          <a:prstGeom prst="rect">
+            <a:avLst/>
+          </a:prstGeom>
+          <a:noFill/>
+        </p:spPr>
+        <p:txBody>
+          <a:bodyPr wrap="square" rtlCol="0">
+            <a:spAutoFit/>
+          </a:bodyPr>
+          <a:lstStyle/>
+          <a:p>
+            <a:pPr fontAlgn="auto">
+              <a:lnSpc>
+                <a:spcPct val="200000"/>
+              </a:lnSpc>
+            </a:pPr>
+            <a:r>
+              <a:rPr lang="zh-CN" altLang="en-US" sz="2400" dirty="0"/>
+              <a:t>采用</a:t>
+            </a:r>
+            <a:r>
+              <a:rPr lang="en-US" altLang="zh-CN" sz="2400" dirty="0"/>
+              <a:t>B/S</a:t>
+            </a:r>
+            <a:r>
+              <a:rPr lang="zh-CN" altLang="en-US" sz="2400" dirty="0"/>
+              <a:t>模式</a:t>
+            </a:r>
+            <a:r>
+              <a:rPr lang="en-US" altLang="zh-CN" sz="2400" baseline="30000" dirty="0"/>
+              <a:t>[1]</a:t>
+            </a:r>
+            <a:endParaRPr lang="zh-CN" altLang="en-US" sz="2400" dirty="0"/>
+          </a:p>
+          <a:p>
+            <a:pPr fontAlgn="auto">
+              <a:lnSpc>
+                <a:spcPct val="200000"/>
+              </a:lnSpc>
+            </a:pPr>
+            <a:r>
+              <a:rPr lang="zh-CN" altLang="en-US" sz="2400" dirty="0"/>
+              <a:t>前端实现：</a:t>
+            </a:r>
+            <a:r>
+              <a:rPr lang="zh-CN" altLang="en-US" sz="2400" dirty="0" smtClean="0"/>
+              <a:t>利用</a:t>
+            </a:r>
+            <a:r>
+              <a:rPr lang="en-US" altLang="zh-CN" sz="2400" dirty="0" err="1"/>
+              <a:t>V</a:t>
+            </a:r>
+            <a:r>
+              <a:rPr lang="en-US" altLang="zh-CN" sz="2400" dirty="0" err="1" smtClean="0"/>
+              <a:t>ue</a:t>
+            </a:r>
+            <a:r>
+              <a:rPr lang="zh-CN" altLang="en-US" sz="2400" dirty="0"/>
+              <a:t>框架</a:t>
+            </a:r>
+          </a:p>
+          <a:p>
+            <a:pPr fontAlgn="auto">
+              <a:lnSpc>
+                <a:spcPct val="200000"/>
+              </a:lnSpc>
+            </a:pPr>
+            <a:r>
+              <a:rPr lang="zh-CN" altLang="en-US" sz="2400" dirty="0"/>
+              <a:t>后端实现：利用</a:t>
+            </a:r>
+            <a:r>
+              <a:rPr lang="en-US" altLang="zh-CN" sz="2400" dirty="0" err="1"/>
+              <a:t>springboot</a:t>
+            </a:r>
+            <a:r>
+              <a:rPr lang="en-US" altLang="zh-CN" sz="2400" dirty="0"/>
+              <a:t> </a:t>
+            </a:r>
+            <a:r>
+              <a:rPr lang="zh-CN" altLang="en-US" sz="2400" dirty="0" smtClean="0"/>
+              <a:t>框架</a:t>
+            </a:r>
+            <a:r>
+              <a:rPr lang="en-US" altLang="zh-CN" sz="2400" dirty="0" smtClean="0"/>
+              <a:t>/SSM</a:t>
+            </a:r>
+            <a:r>
+              <a:rPr lang="zh-CN" altLang="en-US" sz="2400" dirty="0" smtClean="0"/>
+              <a:t>框架 </a:t>
+            </a:r>
+            <a:r>
+              <a:rPr lang="en-US" altLang="zh-CN" sz="2400" baseline="30000" dirty="0" smtClean="0"/>
+              <a:t>[2]</a:t>
+            </a:r>
+            <a:endParaRPr lang="en-US" altLang="zh-CN" sz="2400" dirty="0" smtClean="0"/>
+          </a:p>
+          <a:p>
+            <a:pPr fontAlgn="auto">
+              <a:lnSpc>
+                <a:spcPct val="200000"/>
+              </a:lnSpc>
+            </a:pPr>
+            <a:r>
+              <a:rPr lang="en-US" altLang="zh-CN" sz="2400" dirty="0" smtClean="0"/>
+              <a:t>web</a:t>
+            </a:r>
+            <a:r>
+              <a:rPr lang="zh-CN" altLang="en-US" sz="2400" dirty="0" smtClean="0"/>
+              <a:t>应用服务器软件：</a:t>
+            </a:r>
+            <a:r>
+              <a:rPr lang="en-US" altLang="zh-CN" sz="2400" dirty="0">
+                <a:sym typeface="+mn-ea"/>
+              </a:rPr>
+              <a:t>T</a:t>
+            </a:r>
+            <a:r>
+              <a:rPr lang="en-US" altLang="zh-CN" sz="2400" dirty="0" smtClean="0">
+                <a:sym typeface="+mn-ea"/>
+              </a:rPr>
+              <a:t>omcat</a:t>
+            </a:r>
+          </a:p>
+          <a:p>
+            <a:pPr fontAlgn="auto">
+              <a:lnSpc>
+                <a:spcPct val="200000"/>
+              </a:lnSpc>
+            </a:pPr>
+            <a:r>
+              <a:rPr lang="zh-CN" altLang="en-US" sz="2400" dirty="0" smtClean="0"/>
+              <a:t>数据库</a:t>
+            </a:r>
+            <a:r>
+              <a:rPr lang="zh-CN" altLang="en-US" sz="2400" dirty="0"/>
+              <a:t>：</a:t>
+            </a:r>
+            <a:r>
+              <a:rPr lang="en-US" altLang="zh-CN" sz="2400" dirty="0"/>
+              <a:t> </a:t>
+            </a:r>
+            <a:r>
+              <a:rPr lang="en-US" altLang="zh-CN" sz="2400" dirty="0" err="1"/>
+              <a:t>Mysql</a:t>
+            </a:r>
+            <a:r>
+              <a:rPr lang="en-US" altLang="zh-CN" sz="2400" dirty="0"/>
+              <a:t>  +  </a:t>
+            </a:r>
+            <a:r>
+              <a:rPr lang="en-US" altLang="zh-CN" sz="2400" dirty="0" err="1">
+                <a:sym typeface="+mn-ea"/>
+              </a:rPr>
+              <a:t>Redis</a:t>
+            </a:r>
+            <a:r>
+              <a:rPr lang="en-US" altLang="zh-CN" sz="2400" dirty="0">
+                <a:sym typeface="+mn-ea"/>
+              </a:rPr>
+              <a:t>  </a:t>
+            </a:r>
+            <a:endParaRPr lang="en-US" altLang="zh-CN" sz="2400" dirty="0"/>
+          </a:p>
+          <a:p>
+            <a:pPr fontAlgn="auto">
+              <a:lnSpc>
+                <a:spcPct val="200000"/>
+              </a:lnSpc>
+            </a:pPr>
+            <a:r>
+              <a:rPr lang="zh-CN" altLang="en-US" sz="2400" dirty="0"/>
+              <a:t>代码管理：</a:t>
+            </a:r>
+            <a:r>
+              <a:rPr lang="en-US" altLang="zh-CN" sz="2400" dirty="0" err="1"/>
+              <a:t>github</a:t>
+            </a:r>
+            <a:r>
+              <a:rPr lang="en-US" altLang="zh-CN" sz="2400" dirty="0"/>
+              <a:t> </a:t>
+            </a:r>
+            <a:endParaRPr lang="en-US" altLang="zh-CN" sz="2400" dirty="0" smtClean="0"/>
+          </a:p>
+          <a:p>
+            <a:pPr fontAlgn="auto">
+              <a:lnSpc>
+                <a:spcPct val="200000"/>
+              </a:lnSpc>
+            </a:pPr>
+            <a:r>
+              <a:rPr lang="zh-CN" altLang="en-US" sz="2400" dirty="0" smtClean="0"/>
+              <a:t>推荐算法：基于协同过滤的推荐算法</a:t>
+            </a:r>
+            <a:r>
+              <a:rPr lang="en-US" altLang="zh-CN" sz="2400" baseline="30000" dirty="0" smtClean="0"/>
+              <a:t>[4]</a:t>
+            </a:r>
+            <a:endParaRPr lang="en-US" altLang="zh-CN" sz="2400" dirty="0"/>
+          </a:p>
+        </p:txBody>
+      </p:sp>
+      <p:sp>
+        <p:nvSpPr>
+          <p:cNvPr id="2" name="椭圆 1"/>
+          <p:cNvSpPr/>
+          <p:nvPr>
+            <p:custDataLst>
+              <p:tags r:id="rId3"/>
+            </p:custDataLst>
+          </p:nvPr>
+        </p:nvSpPr>
+        <p:spPr>
+          <a:xfrm>
+            <a:off x="205423" y="302577"/>
             <a:ext cx="996950" cy="996950"/>
           </a:xfrm>
           <a:prstGeom prst="ellipse">
@@ -13733,13 +14040,13 @@
           <p:cNvSpPr txBox="1"/>
           <p:nvPr>
             <p:custDataLst>
-              <p:tags r:id="rId3"/>
+              <p:tags r:id="rId4"/>
             </p:custDataLst>
           </p:nvPr>
         </p:nvSpPr>
         <p:spPr>
           <a:xfrm>
-            <a:off x="272098" y="225742"/>
+            <a:off x="159068" y="340677"/>
             <a:ext cx="1089660" cy="920750"/>
           </a:xfrm>
           <a:prstGeom prst="rect">
@@ -13870,6 +14177,254 @@
               </a:rPr>
               <a:t>2</a:t>
             </a:r>
+          </a:p>
+        </p:txBody>
+      </p:sp>
+    </p:spTree>
+    <p:custDataLst>
+      <p:tags r:id="rId1"/>
+    </p:custDataLst>
+  </p:cSld>
+  <p:clrMapOvr>
+    <a:masterClrMapping/>
+  </p:clrMapOvr>
+  <p:timing>
+    <p:tnLst>
+      <p:par>
+        <p:cTn id="1" dur="indefinite" restart="never" nodeType="tmRoot"/>
+      </p:par>
+    </p:tnLst>
+  </p:timing>
+</p:sld>
+</file>
+
+<file path=ppt/slides/slide7.xml><?xml version="1.0" encoding="utf-8"?>
+<p:sld xmlns:a="http://schemas.openxmlformats.org/drawingml/2006/main" xmlns:r="http://schemas.openxmlformats.org/officeDocument/2006/relationships" xmlns:p="http://schemas.openxmlformats.org/presentationml/2006/main">
+  <p:cSld>
+    <p:spTree>
+      <p:nvGrpSpPr>
+        <p:cNvPr id="1" name=""/>
+        <p:cNvGrpSpPr/>
+        <p:nvPr/>
+      </p:nvGrpSpPr>
+      <p:grpSpPr>
+        <a:xfrm>
+          <a:off x="0" y="0"/>
+          <a:ext cx="0" cy="0"/>
+          <a:chOff x="0" y="0"/>
+          <a:chExt cx="0" cy="0"/>
+        </a:xfrm>
+      </p:grpSpPr>
+      <p:sp>
+        <p:nvSpPr>
+          <p:cNvPr id="2" name="椭圆 1"/>
+          <p:cNvSpPr/>
+          <p:nvPr>
+            <p:custDataLst>
+              <p:tags r:id="rId2"/>
+            </p:custDataLst>
+          </p:nvPr>
+        </p:nvSpPr>
+        <p:spPr>
+          <a:xfrm>
+            <a:off x="318453" y="187642"/>
+            <a:ext cx="996950" cy="996950"/>
+          </a:xfrm>
+          <a:prstGeom prst="ellipse">
+            <a:avLst/>
+          </a:prstGeom>
+          <a:solidFill>
+            <a:schemeClr val="accent1"/>
+          </a:solidFill>
+          <a:ln>
+            <a:noFill/>
+          </a:ln>
+        </p:spPr>
+        <p:style>
+          <a:lnRef idx="2">
+            <a:schemeClr val="accent1">
+              <a:shade val="50000"/>
+            </a:schemeClr>
+          </a:lnRef>
+          <a:fillRef idx="1">
+            <a:schemeClr val="accent1"/>
+          </a:fillRef>
+          <a:effectRef idx="0">
+            <a:schemeClr val="accent1"/>
+          </a:effectRef>
+          <a:fontRef idx="minor">
+            <a:schemeClr val="lt1"/>
+          </a:fontRef>
+        </p:style>
+        <p:txBody>
+          <a:bodyPr wrap="square" rtlCol="0" anchor="ctr">
+            <a:normAutofit/>
+          </a:bodyPr>
+          <a:lstStyle/>
+          <a:p>
+            <a:pPr algn="ctr"/>
+            <a:endParaRPr lang="zh-CN" altLang="en-US" spc="200">
+              <a:solidFill>
+                <a:schemeClr val="lt1"/>
+              </a:solidFill>
+              <a:latin typeface="Arial" panose="020B0604020202020204" pitchFamily="34" charset="0"/>
+              <a:ea typeface="微软雅黑" panose="020B0503020204020204" charset="-122"/>
+            </a:endParaRPr>
+          </a:p>
+        </p:txBody>
+      </p:sp>
+      <p:sp>
+        <p:nvSpPr>
+          <p:cNvPr id="7" name="TextBox 2"/>
+          <p:cNvSpPr txBox="1"/>
+          <p:nvPr>
+            <p:custDataLst>
+              <p:tags r:id="rId3"/>
+            </p:custDataLst>
+          </p:nvPr>
+        </p:nvSpPr>
+        <p:spPr>
+          <a:xfrm>
+            <a:off x="272098" y="225742"/>
+            <a:ext cx="1089660" cy="920750"/>
+          </a:xfrm>
+          <a:prstGeom prst="rect">
+            <a:avLst/>
+          </a:prstGeom>
+          <a:noFill/>
+        </p:spPr>
+        <p:txBody>
+          <a:bodyPr wrap="square" lIns="0" tIns="0" rIns="0" bIns="0" rtlCol="0" anchor="ctr" anchorCtr="0">
+            <a:normAutofit/>
+          </a:bodyPr>
+          <a:lstStyle>
+            <a:defPPr>
+              <a:defRPr lang="zh-CN"/>
+            </a:defPPr>
+            <a:lvl1pPr marL="0" algn="l" defTabSz="914400" rtl="0" eaLnBrk="1" latinLnBrk="0" hangingPunct="1">
+              <a:defRPr sz="1800" kern="1200">
+                <a:solidFill>
+                  <a:schemeClr val="tx1"/>
+                </a:solidFill>
+                <a:latin typeface="+mn-lt"/>
+                <a:ea typeface="+mn-ea"/>
+                <a:cs typeface="+mn-cs"/>
+              </a:defRPr>
+            </a:lvl1pPr>
+            <a:lvl2pPr marL="457200" algn="l" defTabSz="914400" rtl="0" eaLnBrk="1" latinLnBrk="0" hangingPunct="1">
+              <a:defRPr sz="1800" kern="1200">
+                <a:solidFill>
+                  <a:schemeClr val="tx1"/>
+                </a:solidFill>
+                <a:latin typeface="+mn-lt"/>
+                <a:ea typeface="+mn-ea"/>
+                <a:cs typeface="+mn-cs"/>
+              </a:defRPr>
+            </a:lvl2pPr>
+            <a:lvl3pPr marL="914400" algn="l" defTabSz="914400" rtl="0" eaLnBrk="1" latinLnBrk="0" hangingPunct="1">
+              <a:defRPr sz="1800" kern="1200">
+                <a:solidFill>
+                  <a:schemeClr val="tx1"/>
+                </a:solidFill>
+                <a:latin typeface="+mn-lt"/>
+                <a:ea typeface="+mn-ea"/>
+                <a:cs typeface="+mn-cs"/>
+              </a:defRPr>
+            </a:lvl3pPr>
+            <a:lvl4pPr marL="1371600" algn="l" defTabSz="914400" rtl="0" eaLnBrk="1" latinLnBrk="0" hangingPunct="1">
+              <a:defRPr sz="1800" kern="1200">
+                <a:solidFill>
+                  <a:schemeClr val="tx1"/>
+                </a:solidFill>
+                <a:latin typeface="+mn-lt"/>
+                <a:ea typeface="+mn-ea"/>
+                <a:cs typeface="+mn-cs"/>
+              </a:defRPr>
+            </a:lvl4pPr>
+            <a:lvl5pPr marL="1828800" algn="l" defTabSz="914400" rtl="0" eaLnBrk="1" latinLnBrk="0" hangingPunct="1">
+              <a:defRPr sz="1800" kern="1200">
+                <a:solidFill>
+                  <a:schemeClr val="tx1"/>
+                </a:solidFill>
+                <a:latin typeface="+mn-lt"/>
+                <a:ea typeface="+mn-ea"/>
+                <a:cs typeface="+mn-cs"/>
+              </a:defRPr>
+            </a:lvl5pPr>
+            <a:lvl6pPr marL="2286000" algn="l" defTabSz="914400" rtl="0" eaLnBrk="1" latinLnBrk="0" hangingPunct="1">
+              <a:defRPr sz="1800" kern="1200">
+                <a:solidFill>
+                  <a:schemeClr val="tx1"/>
+                </a:solidFill>
+                <a:latin typeface="+mn-lt"/>
+                <a:ea typeface="+mn-ea"/>
+                <a:cs typeface="+mn-cs"/>
+              </a:defRPr>
+            </a:lvl6pPr>
+            <a:lvl7pPr marL="2743200" algn="l" defTabSz="914400" rtl="0" eaLnBrk="1" latinLnBrk="0" hangingPunct="1">
+              <a:defRPr sz="1800" kern="1200">
+                <a:solidFill>
+                  <a:schemeClr val="tx1"/>
+                </a:solidFill>
+                <a:latin typeface="+mn-lt"/>
+                <a:ea typeface="+mn-ea"/>
+                <a:cs typeface="+mn-cs"/>
+              </a:defRPr>
+            </a:lvl7pPr>
+            <a:lvl8pPr marL="3200400" algn="l" defTabSz="914400" rtl="0" eaLnBrk="1" latinLnBrk="0" hangingPunct="1">
+              <a:defRPr sz="1800" kern="1200">
+                <a:solidFill>
+                  <a:schemeClr val="tx1"/>
+                </a:solidFill>
+                <a:latin typeface="+mn-lt"/>
+                <a:ea typeface="+mn-ea"/>
+                <a:cs typeface="+mn-cs"/>
+              </a:defRPr>
+            </a:lvl8pPr>
+            <a:lvl9pPr marL="3657600" algn="l" defTabSz="914400" rtl="0" eaLnBrk="1" latinLnBrk="0" hangingPunct="1">
+              <a:defRPr sz="1800" kern="1200">
+                <a:solidFill>
+                  <a:schemeClr val="tx1"/>
+                </a:solidFill>
+                <a:latin typeface="+mn-lt"/>
+                <a:ea typeface="+mn-ea"/>
+                <a:cs typeface="+mn-cs"/>
+              </a:defRPr>
+            </a:lvl9pPr>
+          </a:lstStyle>
+          <a:p>
+            <a:pPr marR="0" algn="ctr" defTabSz="914400" fontAlgn="auto">
+              <a:spcBef>
+                <a:spcPts val="0"/>
+              </a:spcBef>
+              <a:spcAft>
+                <a:spcPts val="0"/>
+              </a:spcAft>
+              <a:buClrTx/>
+              <a:buSzTx/>
+              <a:buFontTx/>
+            </a:pPr>
+            <a:r>
+              <a:rPr lang="en-US" altLang="zh-CN" sz="4400" spc="200" dirty="0" smtClean="0">
+                <a:solidFill>
+                  <a:schemeClr val="bg1"/>
+                </a:solidFill>
+                <a:latin typeface="Arial" panose="020B0604020202020204" pitchFamily="34" charset="0"/>
+                <a:ea typeface="微软雅黑" panose="020B0503020204020204" charset="-122"/>
+                <a:cs typeface="Arial" panose="020B0604020202020204" pitchFamily="34" charset="0"/>
+                <a:sym typeface="+mn-lt"/>
+              </a:rPr>
+              <a:t>3</a:t>
+            </a:r>
+            <a:endParaRPr lang="en-US" altLang="zh-CN" sz="4400" spc="200" dirty="0">
+              <a:solidFill>
+                <a:schemeClr val="bg1"/>
+              </a:solidFill>
+              <a:latin typeface="Arial" panose="020B0604020202020204" pitchFamily="34" charset="0"/>
+              <a:ea typeface="微软雅黑" panose="020B0503020204020204" charset="-122"/>
+              <a:cs typeface="Arial" panose="020B0604020202020204" pitchFamily="34" charset="0"/>
+              <a:sym typeface="+mn-lt"/>
+            </a:endParaRPr>
           </a:p>
         </p:txBody>
       </p:sp>
@@ -14040,8 +14595,13 @@
             </a:r>
             <a:r>
               <a:rPr lang="zh-CN" altLang="en-US" sz="2000" dirty="0"/>
-              <a:t>形式能节省学习成本。采用当前比较主流的技术栈来实现，相关技术在后面有所提及。</a:t>
-            </a:r>
+              <a:t>形式能节省学习成本。采用当前比较主流的技术栈来</a:t>
+            </a:r>
+            <a:r>
+              <a:rPr lang="zh-CN" altLang="en-US" sz="2000" dirty="0" smtClean="0"/>
+              <a:t>实现。</a:t>
+            </a:r>
+            <a:endParaRPr lang="zh-CN" altLang="en-US" sz="2000" dirty="0"/>
           </a:p>
         </p:txBody>
       </p:sp>
@@ -14241,498 +14801,6 @@
             <a:r>
               <a:rPr lang="zh-CN" altLang="en-US" sz="2000"/>
               <a:t>网站的操作方式符合类似网站用户的操作习惯。</a:t>
-            </a:r>
-          </a:p>
-        </p:txBody>
-      </p:sp>
-    </p:spTree>
-    <p:custDataLst>
-      <p:tags r:id="rId1"/>
-    </p:custDataLst>
-  </p:cSld>
-  <p:clrMapOvr>
-    <a:masterClrMapping/>
-  </p:clrMapOvr>
-  <p:timing>
-    <p:tnLst>
-      <p:par>
-        <p:cTn id="1" dur="indefinite" restart="never" nodeType="tmRoot"/>
-      </p:par>
-    </p:tnLst>
-  </p:timing>
-</p:sld>
-</file>
-
-<file path=ppt/slides/slide7.xml><?xml version="1.0" encoding="utf-8"?>
-<p:sld xmlns:a="http://schemas.openxmlformats.org/drawingml/2006/main" xmlns:r="http://schemas.openxmlformats.org/officeDocument/2006/relationships" xmlns:p="http://schemas.openxmlformats.org/presentationml/2006/main">
-  <p:cSld>
-    <p:spTree>
-      <p:nvGrpSpPr>
-        <p:cNvPr id="1" name=""/>
-        <p:cNvGrpSpPr/>
-        <p:nvPr/>
-      </p:nvGrpSpPr>
-      <p:grpSpPr>
-        <a:xfrm>
-          <a:off x="0" y="0"/>
-          <a:ext cx="0" cy="0"/>
-          <a:chOff x="0" y="0"/>
-          <a:chExt cx="0" cy="0"/>
-        </a:xfrm>
-      </p:grpSpPr>
-      <p:sp>
-        <p:nvSpPr>
-          <p:cNvPr id="5" name="标题 4"/>
-          <p:cNvSpPr>
-            <a:spLocks noGrp="1"/>
-          </p:cNvSpPr>
-          <p:nvPr>
-            <p:ph type="ctrTitle" idx="14"/>
-            <p:custDataLst>
-              <p:tags r:id="rId2"/>
-            </p:custDataLst>
-          </p:nvPr>
-        </p:nvSpPr>
-        <p:spPr>
-          <a:xfrm>
-            <a:off x="1452880" y="382905"/>
-            <a:ext cx="2562225" cy="835660"/>
-          </a:xfrm>
-        </p:spPr>
-        <p:txBody>
-          <a:bodyPr/>
-          <a:lstStyle/>
-          <a:p>
-            <a:r>
-              <a:rPr lang="zh-CN" altLang="en-US" spc="150">
-                <a:solidFill>
-                  <a:schemeClr val="tx1">
-                    <a:lumMod val="65000"/>
-                    <a:lumOff val="35000"/>
-                  </a:schemeClr>
-                </a:solidFill>
-                <a:ea typeface="微软雅黑" panose="020B0503020204020204" charset="-122"/>
-                <a:sym typeface="Arial" panose="020B0604020202020204" pitchFamily="34" charset="0"/>
-              </a:rPr>
-              <a:t>功能实现</a:t>
-            </a:r>
-            <a:endParaRPr lang="zh-CN" altLang="en-US"/>
-          </a:p>
-        </p:txBody>
-      </p:sp>
-      <p:sp>
-        <p:nvSpPr>
-          <p:cNvPr id="3" name="文本框 2"/>
-          <p:cNvSpPr txBox="1"/>
-          <p:nvPr/>
-        </p:nvSpPr>
-        <p:spPr>
-          <a:xfrm>
-            <a:off x="1202690" y="1218565"/>
-            <a:ext cx="6217285" cy="5262979"/>
-          </a:xfrm>
-          <a:prstGeom prst="rect">
-            <a:avLst/>
-          </a:prstGeom>
-          <a:noFill/>
-        </p:spPr>
-        <p:txBody>
-          <a:bodyPr wrap="square" rtlCol="0">
-            <a:spAutoFit/>
-          </a:bodyPr>
-          <a:lstStyle/>
-          <a:p>
-            <a:pPr fontAlgn="auto">
-              <a:lnSpc>
-                <a:spcPct val="200000"/>
-              </a:lnSpc>
-            </a:pPr>
-            <a:r>
-              <a:rPr lang="zh-CN" altLang="en-US" sz="2400" dirty="0"/>
-              <a:t>采用</a:t>
-            </a:r>
-            <a:r>
-              <a:rPr lang="en-US" altLang="zh-CN" sz="2400" dirty="0"/>
-              <a:t>B/S</a:t>
-            </a:r>
-            <a:r>
-              <a:rPr lang="zh-CN" altLang="en-US" sz="2400" dirty="0"/>
-              <a:t>模式</a:t>
-            </a:r>
-            <a:r>
-              <a:rPr lang="en-US" altLang="zh-CN" sz="2400" baseline="30000" dirty="0"/>
-              <a:t>[1]</a:t>
-            </a:r>
-            <a:endParaRPr lang="zh-CN" altLang="en-US" sz="2400" dirty="0"/>
-          </a:p>
-          <a:p>
-            <a:pPr fontAlgn="auto">
-              <a:lnSpc>
-                <a:spcPct val="200000"/>
-              </a:lnSpc>
-            </a:pPr>
-            <a:r>
-              <a:rPr lang="zh-CN" altLang="en-US" sz="2400" dirty="0"/>
-              <a:t>前端实现：</a:t>
-            </a:r>
-            <a:r>
-              <a:rPr lang="zh-CN" altLang="en-US" sz="2400" dirty="0" smtClean="0"/>
-              <a:t>利用</a:t>
-            </a:r>
-            <a:r>
-              <a:rPr lang="en-US" altLang="zh-CN" sz="2400" dirty="0" err="1"/>
-              <a:t>V</a:t>
-            </a:r>
-            <a:r>
-              <a:rPr lang="en-US" altLang="zh-CN" sz="2400" dirty="0" err="1" smtClean="0"/>
-              <a:t>ue</a:t>
-            </a:r>
-            <a:r>
-              <a:rPr lang="zh-CN" altLang="en-US" sz="2400" dirty="0"/>
-              <a:t>框架</a:t>
-            </a:r>
-          </a:p>
-          <a:p>
-            <a:pPr fontAlgn="auto">
-              <a:lnSpc>
-                <a:spcPct val="200000"/>
-              </a:lnSpc>
-            </a:pPr>
-            <a:r>
-              <a:rPr lang="zh-CN" altLang="en-US" sz="2400" dirty="0"/>
-              <a:t>后端实现：利用</a:t>
-            </a:r>
-            <a:r>
-              <a:rPr lang="en-US" altLang="zh-CN" sz="2400" dirty="0" err="1"/>
-              <a:t>springboot</a:t>
-            </a:r>
-            <a:r>
-              <a:rPr lang="en-US" altLang="zh-CN" sz="2400" dirty="0"/>
-              <a:t> </a:t>
-            </a:r>
-            <a:r>
-              <a:rPr lang="zh-CN" altLang="en-US" sz="2400" dirty="0" smtClean="0"/>
-              <a:t>框架</a:t>
-            </a:r>
-            <a:r>
-              <a:rPr lang="en-US" altLang="zh-CN" sz="2400" dirty="0" smtClean="0"/>
-              <a:t>/SSM</a:t>
-            </a:r>
-            <a:r>
-              <a:rPr lang="zh-CN" altLang="en-US" sz="2400" dirty="0" smtClean="0"/>
-              <a:t>框架 </a:t>
-            </a:r>
-            <a:r>
-              <a:rPr lang="en-US" altLang="zh-CN" sz="2400" baseline="30000" dirty="0" smtClean="0"/>
-              <a:t>[2]</a:t>
-            </a:r>
-            <a:endParaRPr lang="en-US" altLang="zh-CN" sz="2400" dirty="0" smtClean="0"/>
-          </a:p>
-          <a:p>
-            <a:pPr fontAlgn="auto">
-              <a:lnSpc>
-                <a:spcPct val="200000"/>
-              </a:lnSpc>
-            </a:pPr>
-            <a:r>
-              <a:rPr lang="en-US" altLang="zh-CN" sz="2400" dirty="0" smtClean="0"/>
-              <a:t>web</a:t>
-            </a:r>
-            <a:r>
-              <a:rPr lang="zh-CN" altLang="en-US" sz="2400" dirty="0" smtClean="0"/>
-              <a:t>应用服务器软件：</a:t>
-            </a:r>
-            <a:r>
-              <a:rPr lang="en-US" altLang="zh-CN" sz="2400" dirty="0">
-                <a:sym typeface="+mn-ea"/>
-              </a:rPr>
-              <a:t>T</a:t>
-            </a:r>
-            <a:r>
-              <a:rPr lang="en-US" altLang="zh-CN" sz="2400" dirty="0" smtClean="0">
-                <a:sym typeface="+mn-ea"/>
-              </a:rPr>
-              <a:t>omcat</a:t>
-            </a:r>
-          </a:p>
-          <a:p>
-            <a:pPr fontAlgn="auto">
-              <a:lnSpc>
-                <a:spcPct val="200000"/>
-              </a:lnSpc>
-            </a:pPr>
-            <a:r>
-              <a:rPr lang="zh-CN" altLang="en-US" sz="2400" dirty="0" smtClean="0"/>
-              <a:t>数据库</a:t>
-            </a:r>
-            <a:r>
-              <a:rPr lang="zh-CN" altLang="en-US" sz="2400" dirty="0"/>
-              <a:t>：</a:t>
-            </a:r>
-            <a:r>
-              <a:rPr lang="en-US" altLang="zh-CN" sz="2400" dirty="0"/>
-              <a:t> </a:t>
-            </a:r>
-            <a:r>
-              <a:rPr lang="en-US" altLang="zh-CN" sz="2400" dirty="0" err="1"/>
-              <a:t>Mysql</a:t>
-            </a:r>
-            <a:r>
-              <a:rPr lang="en-US" altLang="zh-CN" sz="2400" dirty="0"/>
-              <a:t>  +  </a:t>
-            </a:r>
-            <a:r>
-              <a:rPr lang="en-US" altLang="zh-CN" sz="2400" dirty="0" err="1">
-                <a:sym typeface="+mn-ea"/>
-              </a:rPr>
-              <a:t>Redis</a:t>
-            </a:r>
-            <a:r>
-              <a:rPr lang="en-US" altLang="zh-CN" sz="2400" dirty="0">
-                <a:sym typeface="+mn-ea"/>
-              </a:rPr>
-              <a:t>  </a:t>
-            </a:r>
-            <a:endParaRPr lang="en-US" altLang="zh-CN" sz="2400" dirty="0"/>
-          </a:p>
-          <a:p>
-            <a:pPr fontAlgn="auto">
-              <a:lnSpc>
-                <a:spcPct val="200000"/>
-              </a:lnSpc>
-            </a:pPr>
-            <a:r>
-              <a:rPr lang="zh-CN" altLang="en-US" sz="2400" dirty="0"/>
-              <a:t>代码管理：</a:t>
-            </a:r>
-            <a:r>
-              <a:rPr lang="en-US" altLang="zh-CN" sz="2400" dirty="0" err="1"/>
-              <a:t>github</a:t>
-            </a:r>
-            <a:r>
-              <a:rPr lang="en-US" altLang="zh-CN" sz="2400" dirty="0"/>
-              <a:t> </a:t>
-            </a:r>
-            <a:endParaRPr lang="en-US" altLang="zh-CN" sz="2400" dirty="0" smtClean="0"/>
-          </a:p>
-          <a:p>
-            <a:pPr fontAlgn="auto">
-              <a:lnSpc>
-                <a:spcPct val="200000"/>
-              </a:lnSpc>
-            </a:pPr>
-            <a:r>
-              <a:rPr lang="zh-CN" altLang="en-US" sz="2400" dirty="0" smtClean="0"/>
-              <a:t>推荐算法：基于协同过滤的推荐算法</a:t>
-            </a:r>
-            <a:r>
-              <a:rPr lang="en-US" altLang="zh-CN" sz="2400" baseline="30000" dirty="0" smtClean="0"/>
-              <a:t>[4]</a:t>
-            </a:r>
-            <a:endParaRPr lang="en-US" altLang="zh-CN" sz="2400" dirty="0"/>
-          </a:p>
-        </p:txBody>
-      </p:sp>
-      <p:sp>
-        <p:nvSpPr>
-          <p:cNvPr id="2" name="椭圆 1"/>
-          <p:cNvSpPr/>
-          <p:nvPr>
-            <p:custDataLst>
-              <p:tags r:id="rId3"/>
-            </p:custDataLst>
-          </p:nvPr>
-        </p:nvSpPr>
-        <p:spPr>
-          <a:xfrm>
-            <a:off x="205423" y="302577"/>
-            <a:ext cx="996950" cy="996950"/>
-          </a:xfrm>
-          <a:prstGeom prst="ellipse">
-            <a:avLst/>
-          </a:prstGeom>
-          <a:solidFill>
-            <a:schemeClr val="accent1"/>
-          </a:solidFill>
-          <a:ln>
-            <a:noFill/>
-          </a:ln>
-        </p:spPr>
-        <p:style>
-          <a:lnRef idx="2">
-            <a:schemeClr val="accent1">
-              <a:shade val="50000"/>
-            </a:schemeClr>
-          </a:lnRef>
-          <a:fillRef idx="1">
-            <a:schemeClr val="accent1"/>
-          </a:fillRef>
-          <a:effectRef idx="0">
-            <a:schemeClr val="accent1"/>
-          </a:effectRef>
-          <a:fontRef idx="minor">
-            <a:schemeClr val="lt1"/>
-          </a:fontRef>
-        </p:style>
-        <p:txBody>
-          <a:bodyPr wrap="square" rtlCol="0" anchor="ctr">
-            <a:normAutofit/>
-          </a:bodyPr>
-          <a:lstStyle/>
-          <a:p>
-            <a:pPr algn="ctr"/>
-            <a:endParaRPr lang="zh-CN" altLang="en-US" spc="200">
-              <a:solidFill>
-                <a:schemeClr val="lt1"/>
-              </a:solidFill>
-              <a:latin typeface="Arial" panose="020B0604020202020204" pitchFamily="34" charset="0"/>
-              <a:ea typeface="微软雅黑" panose="020B0503020204020204" charset="-122"/>
-            </a:endParaRPr>
-          </a:p>
-        </p:txBody>
-      </p:sp>
-      <p:sp>
-        <p:nvSpPr>
-          <p:cNvPr id="7" name="TextBox 2"/>
-          <p:cNvSpPr txBox="1"/>
-          <p:nvPr>
-            <p:custDataLst>
-              <p:tags r:id="rId4"/>
-            </p:custDataLst>
-          </p:nvPr>
-        </p:nvSpPr>
-        <p:spPr>
-          <a:xfrm>
-            <a:off x="159068" y="340677"/>
-            <a:ext cx="1089660" cy="920750"/>
-          </a:xfrm>
-          <a:prstGeom prst="rect">
-            <a:avLst/>
-          </a:prstGeom>
-          <a:noFill/>
-        </p:spPr>
-        <p:txBody>
-          <a:bodyPr wrap="square" lIns="0" tIns="0" rIns="0" bIns="0" rtlCol="0" anchor="ctr" anchorCtr="0">
-            <a:normAutofit/>
-          </a:bodyPr>
-          <a:lstStyle>
-            <a:defPPr>
-              <a:defRPr lang="zh-CN"/>
-            </a:defPPr>
-            <a:lvl1pPr marL="0" algn="l" defTabSz="914400" rtl="0" eaLnBrk="1" latinLnBrk="0" hangingPunct="1">
-              <a:defRPr sz="1800" kern="1200">
-                <a:solidFill>
-                  <a:schemeClr val="tx1"/>
-                </a:solidFill>
-                <a:latin typeface="+mn-lt"/>
-                <a:ea typeface="+mn-ea"/>
-                <a:cs typeface="+mn-cs"/>
-              </a:defRPr>
-            </a:lvl1pPr>
-            <a:lvl2pPr marL="457200" algn="l" defTabSz="914400" rtl="0" eaLnBrk="1" latinLnBrk="0" hangingPunct="1">
-              <a:defRPr sz="1800" kern="1200">
-                <a:solidFill>
-                  <a:schemeClr val="tx1"/>
-                </a:solidFill>
-                <a:latin typeface="+mn-lt"/>
-                <a:ea typeface="+mn-ea"/>
-                <a:cs typeface="+mn-cs"/>
-              </a:defRPr>
-            </a:lvl2pPr>
-            <a:lvl3pPr marL="914400" algn="l" defTabSz="914400" rtl="0" eaLnBrk="1" latinLnBrk="0" hangingPunct="1">
-              <a:defRPr sz="1800" kern="1200">
-                <a:solidFill>
-                  <a:schemeClr val="tx1"/>
-                </a:solidFill>
-                <a:latin typeface="+mn-lt"/>
-                <a:ea typeface="+mn-ea"/>
-                <a:cs typeface="+mn-cs"/>
-              </a:defRPr>
-            </a:lvl3pPr>
-            <a:lvl4pPr marL="1371600" algn="l" defTabSz="914400" rtl="0" eaLnBrk="1" latinLnBrk="0" hangingPunct="1">
-              <a:defRPr sz="1800" kern="1200">
-                <a:solidFill>
-                  <a:schemeClr val="tx1"/>
-                </a:solidFill>
-                <a:latin typeface="+mn-lt"/>
-                <a:ea typeface="+mn-ea"/>
-                <a:cs typeface="+mn-cs"/>
-              </a:defRPr>
-            </a:lvl4pPr>
-            <a:lvl5pPr marL="1828800" algn="l" defTabSz="914400" rtl="0" eaLnBrk="1" latinLnBrk="0" hangingPunct="1">
-              <a:defRPr sz="1800" kern="1200">
-                <a:solidFill>
-                  <a:schemeClr val="tx1"/>
-                </a:solidFill>
-                <a:latin typeface="+mn-lt"/>
-                <a:ea typeface="+mn-ea"/>
-                <a:cs typeface="+mn-cs"/>
-              </a:defRPr>
-            </a:lvl5pPr>
-            <a:lvl6pPr marL="2286000" algn="l" defTabSz="914400" rtl="0" eaLnBrk="1" latinLnBrk="0" hangingPunct="1">
-              <a:defRPr sz="1800" kern="1200">
-                <a:solidFill>
-                  <a:schemeClr val="tx1"/>
-                </a:solidFill>
-                <a:latin typeface="+mn-lt"/>
-                <a:ea typeface="+mn-ea"/>
-                <a:cs typeface="+mn-cs"/>
-              </a:defRPr>
-            </a:lvl6pPr>
-            <a:lvl7pPr marL="2743200" algn="l" defTabSz="914400" rtl="0" eaLnBrk="1" latinLnBrk="0" hangingPunct="1">
-              <a:defRPr sz="1800" kern="1200">
-                <a:solidFill>
-                  <a:schemeClr val="tx1"/>
-                </a:solidFill>
-                <a:latin typeface="+mn-lt"/>
-                <a:ea typeface="+mn-ea"/>
-                <a:cs typeface="+mn-cs"/>
-              </a:defRPr>
-            </a:lvl7pPr>
-            <a:lvl8pPr marL="3200400" algn="l" defTabSz="914400" rtl="0" eaLnBrk="1" latinLnBrk="0" hangingPunct="1">
-              <a:defRPr sz="1800" kern="1200">
-                <a:solidFill>
-                  <a:schemeClr val="tx1"/>
-                </a:solidFill>
-                <a:latin typeface="+mn-lt"/>
-                <a:ea typeface="+mn-ea"/>
-                <a:cs typeface="+mn-cs"/>
-              </a:defRPr>
-            </a:lvl8pPr>
-            <a:lvl9pPr marL="3657600" algn="l" defTabSz="914400" rtl="0" eaLnBrk="1" latinLnBrk="0" hangingPunct="1">
-              <a:defRPr sz="1800" kern="1200">
-                <a:solidFill>
-                  <a:schemeClr val="tx1"/>
-                </a:solidFill>
-                <a:latin typeface="+mn-lt"/>
-                <a:ea typeface="+mn-ea"/>
-                <a:cs typeface="+mn-cs"/>
-              </a:defRPr>
-            </a:lvl9pPr>
-          </a:lstStyle>
-          <a:p>
-            <a:pPr marR="0" algn="ctr" defTabSz="914400" fontAlgn="auto">
-              <a:spcBef>
-                <a:spcPts val="0"/>
-              </a:spcBef>
-              <a:spcAft>
-                <a:spcPts val="0"/>
-              </a:spcAft>
-              <a:buClrTx/>
-              <a:buSzTx/>
-              <a:buFontTx/>
-            </a:pPr>
-            <a:r>
-              <a:rPr lang="en-US" altLang="zh-CN" sz="4400" spc="200">
-                <a:solidFill>
-                  <a:schemeClr val="bg1"/>
-                </a:solidFill>
-                <a:latin typeface="Arial" panose="020B0604020202020204" pitchFamily="34" charset="0"/>
-                <a:ea typeface="微软雅黑" panose="020B0503020204020204" charset="-122"/>
-                <a:cs typeface="Arial" panose="020B0604020202020204" pitchFamily="34" charset="0"/>
-                <a:sym typeface="+mn-lt"/>
-              </a:rPr>
-              <a:t>3</a:t>
             </a:r>
           </a:p>
         </p:txBody>
@@ -15480,15 +15548,19 @@
             </a:r>
             <a:r>
               <a:rPr lang="en-US" altLang="zh-CN" sz="2400" dirty="0"/>
-              <a:t>31801309	   	</a:t>
-            </a:r>
-            <a:r>
-              <a:rPr lang="en-US" altLang="zh-CN" sz="2400" dirty="0" err="1"/>
-              <a:t>ppt</a:t>
+              <a:t>31801309	</a:t>
+            </a:r>
+            <a:r>
+              <a:rPr lang="en-US" altLang="zh-CN" sz="2400"/>
+              <a:t>   </a:t>
+            </a:r>
+            <a:r>
+              <a:rPr lang="zh-CN" altLang="en-US" sz="2400" smtClean="0"/>
+              <a:t>初步可行性分析、</a:t>
             </a:r>
             <a:r>
               <a:rPr lang="zh-CN" altLang="en-US" sz="2400" dirty="0"/>
-              <a:t>制作、查找文献</a:t>
+              <a:t>查找文献</a:t>
             </a:r>
             <a:r>
               <a:rPr lang="en-US" altLang="zh-CN" sz="2400" dirty="0"/>
@@ -15496,7 +15568,7 @@
             </a:r>
             <a:r>
               <a:rPr lang="en-US" altLang="zh-CN" sz="2400" dirty="0" smtClean="0"/>
-              <a:t>80</a:t>
+              <a:t>85</a:t>
             </a:r>
             <a:endParaRPr lang="en-US" altLang="zh-CN" sz="2400" dirty="0"/>
           </a:p>
@@ -16910,6 +16982,28 @@
 
 <file path=ppt/tags/tag170.xml><?xml version="1.0" encoding="utf-8"?>
 <p:tagLst xmlns:a="http://schemas.openxmlformats.org/drawingml/2006/main" xmlns:r="http://schemas.openxmlformats.org/officeDocument/2006/relationships" xmlns:p="http://schemas.openxmlformats.org/presentationml/2006/main">
+  <p:tag name="KSO_WM_UNIT_ISCONTENTSTITLE" val="0"/>
+  <p:tag name="KSO_WM_UNIT_ISNUMDGMTITLE" val="0"/>
+  <p:tag name="KSO_WM_UNIT_NOCLEAR" val="0"/>
+  <p:tag name="KSO_WM_UNIT_VALUE" val="9"/>
+  <p:tag name="KSO_WM_UNIT_HIGHLIGHT" val="0"/>
+  <p:tag name="KSO_WM_UNIT_COMPATIBLE" val="0"/>
+  <p:tag name="KSO_WM_UNIT_DIAGRAM_ISNUMVISUAL" val="0"/>
+  <p:tag name="KSO_WM_UNIT_DIAGRAM_ISREFERUNIT" val="0"/>
+  <p:tag name="KSO_WM_UNIT_TYPE" val="a"/>
+  <p:tag name="KSO_WM_UNIT_INDEX" val="1"/>
+  <p:tag name="KSO_WM_UNIT_ID" val="custom20204473_7*a*1"/>
+  <p:tag name="KSO_WM_TEMPLATE_CATEGORY" val="custom"/>
+  <p:tag name="KSO_WM_TEMPLATE_INDEX" val="20204473"/>
+  <p:tag name="KSO_WM_UNIT_LAYERLEVEL" val="1"/>
+  <p:tag name="KSO_WM_TAG_VERSION" val="1.0"/>
+  <p:tag name="KSO_WM_BEAUTIFY_FLAG" val="#wm#"/>
+  <p:tag name="KSO_WM_UNIT_PRESET_TEXT" val="单击此处添加标题"/>
+</p:tagLst>
+</file>
+
+<file path=ppt/tags/tag171.xml><?xml version="1.0" encoding="utf-8"?>
+<p:tagLst xmlns:a="http://schemas.openxmlformats.org/drawingml/2006/main" xmlns:r="http://schemas.openxmlformats.org/officeDocument/2006/relationships" xmlns:p="http://schemas.openxmlformats.org/presentationml/2006/main">
   <p:tag name="KSO_WM_UNIT_HIGHLIGHT" val="0"/>
   <p:tag name="KSO_WM_UNIT_COMPATIBLE" val="0"/>
   <p:tag name="KSO_WM_UNIT_DIAGRAM_ISNUMVISUAL" val="0"/>
@@ -16925,7 +17019,7 @@
 </p:tagLst>
 </file>
 
-<file path=ppt/tags/tag171.xml><?xml version="1.0" encoding="utf-8"?>
+<file path=ppt/tags/tag172.xml><?xml version="1.0" encoding="utf-8"?>
 <p:tagLst xmlns:a="http://schemas.openxmlformats.org/drawingml/2006/main" xmlns:r="http://schemas.openxmlformats.org/officeDocument/2006/relationships" xmlns:p="http://schemas.openxmlformats.org/presentationml/2006/main">
   <p:tag name="KSO_WM_UNIT_NOCLEAR" val="0"/>
   <p:tag name="KSO_WM_UNIT_VALUE" val="2"/>
@@ -16945,7 +17039,63 @@
 </p:tagLst>
 </file>
 
-<file path=ppt/tags/tag172.xml><?xml version="1.0" encoding="utf-8"?>
+<file path=ppt/tags/tag173.xml><?xml version="1.0" encoding="utf-8"?>
+<p:tagLst xmlns:a="http://schemas.openxmlformats.org/drawingml/2006/main" xmlns:r="http://schemas.openxmlformats.org/officeDocument/2006/relationships" xmlns:p="http://schemas.openxmlformats.org/presentationml/2006/main">
+  <p:tag name="KSO_WM_SLIDE_ID" val="custom20204473_7"/>
+  <p:tag name="KSO_WM_TEMPLATE_SUBCATEGORY" val="17"/>
+  <p:tag name="KSO_WM_TEMPLATE_MASTER_TYPE" val="1"/>
+  <p:tag name="KSO_WM_TEMPLATE_COLOR_TYPE" val="1"/>
+  <p:tag name="KSO_WM_SLIDE_TYPE" val="sectionTitle"/>
+  <p:tag name="KSO_WM_SLIDE_SUBTYPE" val="pureTxt"/>
+  <p:tag name="KSO_WM_SLIDE_ITEM_CNT" val="0"/>
+  <p:tag name="KSO_WM_SLIDE_INDEX" val="7"/>
+  <p:tag name="KSO_WM_TAG_VERSION" val="1.0"/>
+  <p:tag name="KSO_WM_BEAUTIFY_FLAG" val="#wm#"/>
+  <p:tag name="KSO_WM_TEMPLATE_CATEGORY" val="custom"/>
+  <p:tag name="KSO_WM_TEMPLATE_INDEX" val="20204473"/>
+  <p:tag name="KSO_WM_SLIDE_LAYOUT" val="a_b_e"/>
+  <p:tag name="KSO_WM_SLIDE_LAYOUT_CNT" val="1_1_1"/>
+</p:tagLst>
+</file>
+
+<file path=ppt/tags/tag174.xml><?xml version="1.0" encoding="utf-8"?>
+<p:tagLst xmlns:a="http://schemas.openxmlformats.org/drawingml/2006/main" xmlns:r="http://schemas.openxmlformats.org/officeDocument/2006/relationships" xmlns:p="http://schemas.openxmlformats.org/presentationml/2006/main">
+  <p:tag name="KSO_WM_UNIT_HIGHLIGHT" val="0"/>
+  <p:tag name="KSO_WM_UNIT_COMPATIBLE" val="0"/>
+  <p:tag name="KSO_WM_UNIT_DIAGRAM_ISNUMVISUAL" val="0"/>
+  <p:tag name="KSO_WM_UNIT_DIAGRAM_ISREFERUNIT" val="0"/>
+  <p:tag name="KSO_WM_UNIT_TYPE" val="i"/>
+  <p:tag name="KSO_WM_UNIT_INDEX" val="1"/>
+  <p:tag name="KSO_WM_UNIT_ID" val="custom20204473_7*i*1"/>
+  <p:tag name="KSO_WM_TEMPLATE_CATEGORY" val="custom"/>
+  <p:tag name="KSO_WM_TEMPLATE_INDEX" val="20204473"/>
+  <p:tag name="KSO_WM_UNIT_LAYERLEVEL" val="1"/>
+  <p:tag name="KSO_WM_TAG_VERSION" val="1.0"/>
+  <p:tag name="KSO_WM_BEAUTIFY_FLAG" val="#wm#"/>
+</p:tagLst>
+</file>
+
+<file path=ppt/tags/tag175.xml><?xml version="1.0" encoding="utf-8"?>
+<p:tagLst xmlns:a="http://schemas.openxmlformats.org/drawingml/2006/main" xmlns:r="http://schemas.openxmlformats.org/officeDocument/2006/relationships" xmlns:p="http://schemas.openxmlformats.org/presentationml/2006/main">
+  <p:tag name="KSO_WM_UNIT_NOCLEAR" val="0"/>
+  <p:tag name="KSO_WM_UNIT_VALUE" val="2"/>
+  <p:tag name="KSO_WM_UNIT_HIGHLIGHT" val="0"/>
+  <p:tag name="KSO_WM_UNIT_COMPATIBLE" val="1"/>
+  <p:tag name="KSO_WM_UNIT_DIAGRAM_ISNUMVISUAL" val="0"/>
+  <p:tag name="KSO_WM_UNIT_DIAGRAM_ISREFERUNIT" val="0"/>
+  <p:tag name="KSO_WM_UNIT_TYPE" val="e"/>
+  <p:tag name="KSO_WM_UNIT_INDEX" val="1"/>
+  <p:tag name="KSO_WM_UNIT_ID" val="custom20204473_7*e*1"/>
+  <p:tag name="KSO_WM_TEMPLATE_CATEGORY" val="custom"/>
+  <p:tag name="KSO_WM_TEMPLATE_INDEX" val="20204473"/>
+  <p:tag name="KSO_WM_UNIT_LAYERLEVEL" val="1"/>
+  <p:tag name="KSO_WM_TAG_VERSION" val="1.0"/>
+  <p:tag name="KSO_WM_BEAUTIFY_FLAG" val="#wm#"/>
+  <p:tag name="KSO_WM_UNIT_PRESET_TEXT" val="01"/>
+</p:tagLst>
+</file>
+
+<file path=ppt/tags/tag176.xml><?xml version="1.0" encoding="utf-8"?>
 <p:tagLst xmlns:a="http://schemas.openxmlformats.org/drawingml/2006/main" xmlns:r="http://schemas.openxmlformats.org/officeDocument/2006/relationships" xmlns:p="http://schemas.openxmlformats.org/presentationml/2006/main">
   <p:tag name="KSO_WM_UNIT_ISCONTENTSTITLE" val="0"/>
   <p:tag name="KSO_WM_UNIT_ISNUMDGMTITLE" val="0"/>
@@ -16964,91 +17114,6 @@
   <p:tag name="KSO_WM_TAG_VERSION" val="1.0"/>
   <p:tag name="KSO_WM_BEAUTIFY_FLAG" val="#wm#"/>
   <p:tag name="KSO_WM_UNIT_PRESET_TEXT" val="单击此处添加标题"/>
-</p:tagLst>
-</file>
-
-<file path=ppt/tags/tag173.xml><?xml version="1.0" encoding="utf-8"?>
-<p:tagLst xmlns:a="http://schemas.openxmlformats.org/drawingml/2006/main" xmlns:r="http://schemas.openxmlformats.org/officeDocument/2006/relationships" xmlns:p="http://schemas.openxmlformats.org/presentationml/2006/main">
-  <p:tag name="KSO_WM_UNIT_ISCONTENTSTITLE" val="0"/>
-  <p:tag name="KSO_WM_UNIT_ISNUMDGMTITLE" val="0"/>
-  <p:tag name="KSO_WM_UNIT_NOCLEAR" val="0"/>
-  <p:tag name="KSO_WM_UNIT_VALUE" val="9"/>
-  <p:tag name="KSO_WM_UNIT_HIGHLIGHT" val="0"/>
-  <p:tag name="KSO_WM_UNIT_COMPATIBLE" val="0"/>
-  <p:tag name="KSO_WM_UNIT_DIAGRAM_ISNUMVISUAL" val="0"/>
-  <p:tag name="KSO_WM_UNIT_DIAGRAM_ISREFERUNIT" val="0"/>
-  <p:tag name="KSO_WM_UNIT_TYPE" val="a"/>
-  <p:tag name="KSO_WM_UNIT_INDEX" val="1"/>
-  <p:tag name="KSO_WM_UNIT_ID" val="custom20204473_7*a*1"/>
-  <p:tag name="KSO_WM_TEMPLATE_CATEGORY" val="custom"/>
-  <p:tag name="KSO_WM_TEMPLATE_INDEX" val="20204473"/>
-  <p:tag name="KSO_WM_UNIT_LAYERLEVEL" val="1"/>
-  <p:tag name="KSO_WM_TAG_VERSION" val="1.0"/>
-  <p:tag name="KSO_WM_BEAUTIFY_FLAG" val="#wm#"/>
-  <p:tag name="KSO_WM_UNIT_PRESET_TEXT" val="单击此处添加标题"/>
-</p:tagLst>
-</file>
-
-<file path=ppt/tags/tag174.xml><?xml version="1.0" encoding="utf-8"?>
-<p:tagLst xmlns:a="http://schemas.openxmlformats.org/drawingml/2006/main" xmlns:r="http://schemas.openxmlformats.org/officeDocument/2006/relationships" xmlns:p="http://schemas.openxmlformats.org/presentationml/2006/main">
-  <p:tag name="KSO_WM_UNIT_ISCONTENTSTITLE" val="0"/>
-  <p:tag name="KSO_WM_UNIT_ISNUMDGMTITLE" val="0"/>
-  <p:tag name="KSO_WM_UNIT_NOCLEAR" val="0"/>
-  <p:tag name="KSO_WM_UNIT_VALUE" val="9"/>
-  <p:tag name="KSO_WM_UNIT_HIGHLIGHT" val="0"/>
-  <p:tag name="KSO_WM_UNIT_COMPATIBLE" val="0"/>
-  <p:tag name="KSO_WM_UNIT_DIAGRAM_ISNUMVISUAL" val="0"/>
-  <p:tag name="KSO_WM_UNIT_DIAGRAM_ISREFERUNIT" val="0"/>
-  <p:tag name="KSO_WM_UNIT_TYPE" val="a"/>
-  <p:tag name="KSO_WM_UNIT_INDEX" val="1"/>
-  <p:tag name="KSO_WM_UNIT_ID" val="custom20204473_7*a*1"/>
-  <p:tag name="KSO_WM_TEMPLATE_CATEGORY" val="custom"/>
-  <p:tag name="KSO_WM_TEMPLATE_INDEX" val="20204473"/>
-  <p:tag name="KSO_WM_UNIT_LAYERLEVEL" val="1"/>
-  <p:tag name="KSO_WM_TAG_VERSION" val="1.0"/>
-  <p:tag name="KSO_WM_BEAUTIFY_FLAG" val="#wm#"/>
-  <p:tag name="KSO_WM_UNIT_PRESET_TEXT" val="单击此处添加标题"/>
-</p:tagLst>
-</file>
-
-<file path=ppt/tags/tag175.xml><?xml version="1.0" encoding="utf-8"?>
-<p:tagLst xmlns:a="http://schemas.openxmlformats.org/drawingml/2006/main" xmlns:r="http://schemas.openxmlformats.org/officeDocument/2006/relationships" xmlns:p="http://schemas.openxmlformats.org/presentationml/2006/main">
-  <p:tag name="KSO_WM_UNIT_ISCONTENTSTITLE" val="0"/>
-  <p:tag name="KSO_WM_UNIT_ISNUMDGMTITLE" val="0"/>
-  <p:tag name="KSO_WM_UNIT_NOCLEAR" val="0"/>
-  <p:tag name="KSO_WM_UNIT_VALUE" val="9"/>
-  <p:tag name="KSO_WM_UNIT_HIGHLIGHT" val="0"/>
-  <p:tag name="KSO_WM_UNIT_COMPATIBLE" val="0"/>
-  <p:tag name="KSO_WM_UNIT_DIAGRAM_ISNUMVISUAL" val="0"/>
-  <p:tag name="KSO_WM_UNIT_DIAGRAM_ISREFERUNIT" val="0"/>
-  <p:tag name="KSO_WM_UNIT_TYPE" val="a"/>
-  <p:tag name="KSO_WM_UNIT_INDEX" val="1"/>
-  <p:tag name="KSO_WM_UNIT_ID" val="custom20204473_7*a*1"/>
-  <p:tag name="KSO_WM_TEMPLATE_CATEGORY" val="custom"/>
-  <p:tag name="KSO_WM_TEMPLATE_INDEX" val="20204473"/>
-  <p:tag name="KSO_WM_UNIT_LAYERLEVEL" val="1"/>
-  <p:tag name="KSO_WM_TAG_VERSION" val="1.0"/>
-  <p:tag name="KSO_WM_BEAUTIFY_FLAG" val="#wm#"/>
-  <p:tag name="KSO_WM_UNIT_PRESET_TEXT" val="单击此处添加标题"/>
-</p:tagLst>
-</file>
-
-<file path=ppt/tags/tag176.xml><?xml version="1.0" encoding="utf-8"?>
-<p:tagLst xmlns:a="http://schemas.openxmlformats.org/drawingml/2006/main" xmlns:r="http://schemas.openxmlformats.org/officeDocument/2006/relationships" xmlns:p="http://schemas.openxmlformats.org/presentationml/2006/main">
-  <p:tag name="KSO_WM_SLIDE_ID" val="custom20204473_7"/>
-  <p:tag name="KSO_WM_TEMPLATE_SUBCATEGORY" val="17"/>
-  <p:tag name="KSO_WM_TEMPLATE_MASTER_TYPE" val="1"/>
-  <p:tag name="KSO_WM_TEMPLATE_COLOR_TYPE" val="1"/>
-  <p:tag name="KSO_WM_SLIDE_TYPE" val="sectionTitle"/>
-  <p:tag name="KSO_WM_SLIDE_SUBTYPE" val="pureTxt"/>
-  <p:tag name="KSO_WM_SLIDE_ITEM_CNT" val="0"/>
-  <p:tag name="KSO_WM_SLIDE_INDEX" val="7"/>
-  <p:tag name="KSO_WM_TAG_VERSION" val="1.0"/>
-  <p:tag name="KSO_WM_BEAUTIFY_FLAG" val="#wm#"/>
-  <p:tag name="KSO_WM_TEMPLATE_CATEGORY" val="custom"/>
-  <p:tag name="KSO_WM_TEMPLATE_INDEX" val="20204473"/>
-  <p:tag name="KSO_WM_SLIDE_LAYOUT" val="a_b_e"/>
-  <p:tag name="KSO_WM_SLIDE_LAYOUT_CNT" val="1_1_1"/>
 </p:tagLst>
 </file>
 
@@ -17076,38 +17141,45 @@
 
 <file path=ppt/tags/tag178.xml><?xml version="1.0" encoding="utf-8"?>
 <p:tagLst xmlns:a="http://schemas.openxmlformats.org/drawingml/2006/main" xmlns:r="http://schemas.openxmlformats.org/officeDocument/2006/relationships" xmlns:p="http://schemas.openxmlformats.org/presentationml/2006/main">
+  <p:tag name="KSO_WM_UNIT_ISCONTENTSTITLE" val="0"/>
+  <p:tag name="KSO_WM_UNIT_ISNUMDGMTITLE" val="0"/>
+  <p:tag name="KSO_WM_UNIT_NOCLEAR" val="0"/>
+  <p:tag name="KSO_WM_UNIT_VALUE" val="9"/>
   <p:tag name="KSO_WM_UNIT_HIGHLIGHT" val="0"/>
   <p:tag name="KSO_WM_UNIT_COMPATIBLE" val="0"/>
   <p:tag name="KSO_WM_UNIT_DIAGRAM_ISNUMVISUAL" val="0"/>
   <p:tag name="KSO_WM_UNIT_DIAGRAM_ISREFERUNIT" val="0"/>
-  <p:tag name="KSO_WM_UNIT_TYPE" val="i"/>
+  <p:tag name="KSO_WM_UNIT_TYPE" val="a"/>
   <p:tag name="KSO_WM_UNIT_INDEX" val="1"/>
-  <p:tag name="KSO_WM_UNIT_ID" val="custom20204473_7*i*1"/>
+  <p:tag name="KSO_WM_UNIT_ID" val="custom20204473_7*a*1"/>
   <p:tag name="KSO_WM_TEMPLATE_CATEGORY" val="custom"/>
   <p:tag name="KSO_WM_TEMPLATE_INDEX" val="20204473"/>
   <p:tag name="KSO_WM_UNIT_LAYERLEVEL" val="1"/>
   <p:tag name="KSO_WM_TAG_VERSION" val="1.0"/>
   <p:tag name="KSO_WM_BEAUTIFY_FLAG" val="#wm#"/>
+  <p:tag name="KSO_WM_UNIT_PRESET_TEXT" val="单击此处添加标题"/>
 </p:tagLst>
 </file>
 
 <file path=ppt/tags/tag179.xml><?xml version="1.0" encoding="utf-8"?>
 <p:tagLst xmlns:a="http://schemas.openxmlformats.org/drawingml/2006/main" xmlns:r="http://schemas.openxmlformats.org/officeDocument/2006/relationships" xmlns:p="http://schemas.openxmlformats.org/presentationml/2006/main">
+  <p:tag name="KSO_WM_UNIT_ISCONTENTSTITLE" val="0"/>
+  <p:tag name="KSO_WM_UNIT_ISNUMDGMTITLE" val="0"/>
   <p:tag name="KSO_WM_UNIT_NOCLEAR" val="0"/>
-  <p:tag name="KSO_WM_UNIT_VALUE" val="2"/>
+  <p:tag name="KSO_WM_UNIT_VALUE" val="9"/>
   <p:tag name="KSO_WM_UNIT_HIGHLIGHT" val="0"/>
-  <p:tag name="KSO_WM_UNIT_COMPATIBLE" val="1"/>
+  <p:tag name="KSO_WM_UNIT_COMPATIBLE" val="0"/>
   <p:tag name="KSO_WM_UNIT_DIAGRAM_ISNUMVISUAL" val="0"/>
   <p:tag name="KSO_WM_UNIT_DIAGRAM_ISREFERUNIT" val="0"/>
-  <p:tag name="KSO_WM_UNIT_TYPE" val="e"/>
+  <p:tag name="KSO_WM_UNIT_TYPE" val="a"/>
   <p:tag name="KSO_WM_UNIT_INDEX" val="1"/>
-  <p:tag name="KSO_WM_UNIT_ID" val="custom20204473_7*e*1"/>
+  <p:tag name="KSO_WM_UNIT_ID" val="custom20204473_7*a*1"/>
   <p:tag name="KSO_WM_TEMPLATE_CATEGORY" val="custom"/>
   <p:tag name="KSO_WM_TEMPLATE_INDEX" val="20204473"/>
   <p:tag name="KSO_WM_UNIT_LAYERLEVEL" val="1"/>
   <p:tag name="KSO_WM_TAG_VERSION" val="1.0"/>
   <p:tag name="KSO_WM_BEAUTIFY_FLAG" val="#wm#"/>
-  <p:tag name="KSO_WM_UNIT_PRESET_TEXT" val="01"/>
+  <p:tag name="KSO_WM_UNIT_PRESET_TEXT" val="单击此处添加标题"/>
 </p:tagLst>
 </file>
 
